--- a/Masterarbeit 4/OmniGraffle/softwareprozess.pptx
+++ b/Masterarbeit 4/OmniGraffle/softwareprozess.pptx
@@ -4864,13 +4864,13 @@
       </dgm:t>
     </dgm:pt>
     <dgm:pt modelId="{CE5E3C89-EA99-A247-A334-44A5CE2AB7F0}">
-      <dgm:prSet phldrT="[Text]"/>
+      <dgm:prSet phldrT="[Text]" custT="1"/>
       <dgm:spPr/>
       <dgm:t>
         <a:bodyPr/>
         <a:lstStyle/>
         <a:p>
-          <a:endParaRPr lang="de-DE" dirty="0"/>
+          <a:endParaRPr lang="de-DE" sz="1400" dirty="0"/>
         </a:p>
       </dgm:t>
     </dgm:pt>
@@ -4882,7 +4882,7 @@
         <a:lstStyle/>
         <a:p>
           <a:r>
-            <a:rPr lang="de-DE" sz="1100" b="1" dirty="0" smtClean="0">
+            <a:rPr lang="de-DE" sz="1400" b="1" dirty="0" smtClean="0">
               <a:solidFill>
                 <a:srgbClr val="000000"/>
               </a:solidFill>
@@ -4890,18 +4890,18 @@
             <a:t>Grundsatz</a:t>
           </a:r>
           <a:r>
-            <a:rPr lang="de-DE" sz="1100" dirty="0" smtClean="0"/>
+            <a:rPr lang="de-DE" sz="1400" dirty="0" smtClean="0"/>
             <a:t> </a:t>
           </a:r>
           <a:r>
-            <a:rPr lang="de-DE" sz="1100" b="1" dirty="0" smtClean="0">
+            <a:rPr lang="de-DE" sz="1400" b="1" dirty="0" smtClean="0">
               <a:solidFill>
                 <a:srgbClr val="000000"/>
               </a:solidFill>
             </a:rPr>
             <a:t>der Klarheit</a:t>
           </a:r>
-          <a:endParaRPr lang="de-DE" sz="1100" b="1" dirty="0">
+          <a:endParaRPr lang="de-DE" sz="1400" b="1" dirty="0">
             <a:solidFill>
               <a:srgbClr val="000000"/>
             </a:solidFill>
@@ -4920,7 +4920,7 @@
         <a:bodyPr/>
         <a:lstStyle/>
         <a:p>
-          <a:endParaRPr lang="de-DE" sz="1100"/>
+          <a:endParaRPr lang="de-DE" sz="1400"/>
         </a:p>
       </dgm:t>
     </dgm:pt>
@@ -4965,14 +4965,14 @@
         <a:lstStyle/>
         <a:p>
           <a:r>
-            <a:rPr lang="de-DE" sz="1100" b="1" dirty="0" smtClean="0">
+            <a:rPr lang="de-DE" sz="1400" b="1" dirty="0" smtClean="0">
               <a:solidFill>
                 <a:schemeClr val="tx1"/>
               </a:solidFill>
             </a:rPr>
             <a:t>Grundsatz der Richtigkeit</a:t>
           </a:r>
-          <a:endParaRPr lang="de-DE" sz="1100" b="1" dirty="0">
+          <a:endParaRPr lang="de-DE" sz="1400" b="1" dirty="0">
             <a:solidFill>
               <a:schemeClr val="tx1"/>
             </a:solidFill>
@@ -4988,7 +4988,7 @@
         <a:lstStyle/>
         <a:p>
           <a:r>
-            <a:rPr lang="de-DE" sz="1100" b="1" dirty="0" smtClean="0">
+            <a:rPr lang="de-DE" sz="1400" b="1" dirty="0" smtClean="0">
               <a:solidFill>
                 <a:srgbClr val="000000"/>
               </a:solidFill>
@@ -4996,7 +4996,7 @@
             <a:t>Grundsatz</a:t>
           </a:r>
           <a:r>
-            <a:rPr lang="de-DE" sz="1100" dirty="0" smtClean="0">
+            <a:rPr lang="de-DE" sz="1400" dirty="0" smtClean="0">
               <a:solidFill>
                 <a:srgbClr val="000000"/>
               </a:solidFill>
@@ -5004,14 +5004,14 @@
             <a:t> </a:t>
           </a:r>
           <a:r>
-            <a:rPr lang="de-DE" sz="1100" b="1" dirty="0" smtClean="0">
+            <a:rPr lang="de-DE" sz="1400" b="1" dirty="0" smtClean="0">
               <a:solidFill>
                 <a:srgbClr val="000000"/>
               </a:solidFill>
             </a:rPr>
             <a:t>der Relevanz</a:t>
           </a:r>
-          <a:endParaRPr lang="de-DE" sz="1100" b="1" dirty="0">
+          <a:endParaRPr lang="de-DE" sz="1400" b="1" dirty="0">
             <a:solidFill>
               <a:srgbClr val="000000"/>
             </a:solidFill>
@@ -5027,14 +5027,14 @@
         <a:lstStyle/>
         <a:p>
           <a:r>
-            <a:rPr lang="de-DE" sz="1100" b="1" dirty="0" smtClean="0">
+            <a:rPr lang="de-DE" sz="1400" b="1" dirty="0" smtClean="0">
               <a:solidFill>
                 <a:srgbClr val="000000"/>
               </a:solidFill>
             </a:rPr>
             <a:t>Grundsatz der Vergleichbarkeit</a:t>
           </a:r>
-          <a:endParaRPr lang="de-DE" sz="1100" b="1" dirty="0">
+          <a:endParaRPr lang="de-DE" sz="1400" b="1" dirty="0">
             <a:solidFill>
               <a:srgbClr val="000000"/>
             </a:solidFill>
@@ -5076,13 +5076,13 @@
       </dgm:t>
     </dgm:pt>
     <dgm:pt modelId="{409C1EA3-2388-5242-A253-1694DED13E42}">
-      <dgm:prSet phldrT="[Text]" phldr="1"/>
+      <dgm:prSet phldrT="[Text]" phldr="1" custT="1"/>
       <dgm:spPr/>
       <dgm:t>
         <a:bodyPr/>
         <a:lstStyle/>
         <a:p>
-          <a:endParaRPr lang="de-DE" dirty="0"/>
+          <a:endParaRPr lang="de-DE" sz="1400" dirty="0"/>
         </a:p>
       </dgm:t>
     </dgm:pt>
@@ -5094,14 +5094,14 @@
         <a:lstStyle/>
         <a:p>
           <a:r>
-            <a:rPr lang="de-DE" sz="1100" b="1" dirty="0" smtClean="0">
+            <a:rPr lang="de-DE" sz="1400" b="1" dirty="0" smtClean="0">
               <a:solidFill>
                 <a:srgbClr val="000000"/>
               </a:solidFill>
             </a:rPr>
             <a:t>Grundsatz der Wirtschaftlichkeit</a:t>
           </a:r>
-          <a:endParaRPr lang="de-DE" sz="1100" b="1" dirty="0">
+          <a:endParaRPr lang="de-DE" sz="1400" b="1" dirty="0">
             <a:solidFill>
               <a:srgbClr val="000000"/>
             </a:solidFill>
@@ -5110,13 +5110,13 @@
       </dgm:t>
     </dgm:pt>
     <dgm:pt modelId="{C17642CC-03C1-3A41-A829-936E7BB266A1}" type="sibTrans" cxnId="{9D824FAC-EAD0-3E49-BAB3-FC1521FCB859}">
-      <dgm:prSet/>
+      <dgm:prSet custT="1"/>
       <dgm:spPr/>
       <dgm:t>
         <a:bodyPr/>
         <a:lstStyle/>
         <a:p>
-          <a:endParaRPr lang="de-DE"/>
+          <a:endParaRPr lang="de-DE" sz="1400"/>
         </a:p>
       </dgm:t>
     </dgm:pt>
@@ -5163,13 +5163,20 @@
         </dgm:presLayoutVars>
       </dgm:prSet>
       <dgm:spPr/>
+      <dgm:t>
+        <a:bodyPr/>
+        <a:lstStyle/>
+        <a:p>
+          <a:endParaRPr lang="de-DE"/>
+        </a:p>
+      </dgm:t>
     </dgm:pt>
     <dgm:pt modelId="{225F8517-4D43-0448-A093-E1163E3A3739}" type="pres">
       <dgm:prSet presAssocID="{5673CD12-0EC2-684F-9403-EEE76E7C4B52}" presName="composite" presStyleCnt="0"/>
       <dgm:spPr/>
     </dgm:pt>
     <dgm:pt modelId="{656B6DD6-B220-304E-8C06-C0F1AB5BA8A0}" type="pres">
-      <dgm:prSet presAssocID="{5673CD12-0EC2-684F-9403-EEE76E7C4B52}" presName="Parent1" presStyleLbl="node1" presStyleIdx="0" presStyleCnt="6">
+      <dgm:prSet presAssocID="{5673CD12-0EC2-684F-9403-EEE76E7C4B52}" presName="Parent1" presStyleLbl="node1" presStyleIdx="0" presStyleCnt="6" custLinFactX="-8521" custLinFactY="69795" custLinFactNeighborX="-100000" custLinFactNeighborY="100000">
         <dgm:presLayoutVars>
           <dgm:chMax val="1"/>
           <dgm:chPref val="1"/>
@@ -5213,6 +5220,13 @@
     <dgm:pt modelId="{8748682F-383B-6249-91D3-55EAA744E40C}" type="pres">
       <dgm:prSet presAssocID="{C17642CC-03C1-3A41-A829-936E7BB266A1}" presName="Accent1Text" presStyleLbl="node1" presStyleIdx="1" presStyleCnt="6"/>
       <dgm:spPr/>
+      <dgm:t>
+        <a:bodyPr/>
+        <a:lstStyle/>
+        <a:p>
+          <a:endParaRPr lang="de-DE"/>
+        </a:p>
+      </dgm:t>
     </dgm:pt>
     <dgm:pt modelId="{16D94AD0-F2E4-A94D-B159-C6F329A1E295}" type="pres">
       <dgm:prSet presAssocID="{C17642CC-03C1-3A41-A829-936E7BB266A1}" presName="spaceBetweenRectangles" presStyleCnt="0"/>
@@ -5265,7 +5279,7 @@
       <dgm:spPr/>
     </dgm:pt>
     <dgm:pt modelId="{E8328BD8-3CC1-5649-820D-DDA948BB98F6}" type="pres">
-      <dgm:prSet presAssocID="{69C5705C-F01C-E544-8296-4CC15335FEC4}" presName="Accent1Text" presStyleLbl="node1" presStyleIdx="3" presStyleCnt="6"/>
+      <dgm:prSet presAssocID="{69C5705C-F01C-E544-8296-4CC15335FEC4}" presName="Accent1Text" presStyleLbl="node1" presStyleIdx="3" presStyleCnt="6" custLinFactNeighborX="-55895" custLinFactNeighborY="84915"/>
       <dgm:spPr/>
       <dgm:t>
         <a:bodyPr/>
@@ -5284,7 +5298,7 @@
       <dgm:spPr/>
     </dgm:pt>
     <dgm:pt modelId="{F7A554A7-1674-AE43-AAE5-C047129C2354}" type="pres">
-      <dgm:prSet presAssocID="{381539AD-091F-FF47-A3A3-5E10F817FA34}" presName="Parent1" presStyleLbl="node1" presStyleIdx="4" presStyleCnt="6">
+      <dgm:prSet presAssocID="{381539AD-091F-FF47-A3A3-5E10F817FA34}" presName="Parent1" presStyleLbl="node1" presStyleIdx="4" presStyleCnt="6" custLinFactNeighborX="53354" custLinFactNeighborY="-84738">
         <dgm:presLayoutVars>
           <dgm:chMax val="1"/>
           <dgm:chPref val="1"/>
@@ -5326,7 +5340,7 @@
       <dgm:spPr/>
     </dgm:pt>
     <dgm:pt modelId="{959764E7-3213-9E43-BEA0-060E85AC7D72}" type="pres">
-      <dgm:prSet presAssocID="{A8EE6B73-CA9B-A644-93A3-5F3281FDC365}" presName="Accent1Text" presStyleLbl="node1" presStyleIdx="5" presStyleCnt="6"/>
+      <dgm:prSet presAssocID="{A8EE6B73-CA9B-A644-93A3-5F3281FDC365}" presName="Accent1Text" presStyleLbl="node1" presStyleIdx="5" presStyleCnt="6" custLinFactX="9249" custLinFactY="-69795" custLinFactNeighborX="100000" custLinFactNeighborY="-100000"/>
       <dgm:spPr/>
       <dgm:t>
         <a:bodyPr/>
@@ -5338,22 +5352,22 @@
     </dgm:pt>
   </dgm:ptLst>
   <dgm:cxnLst>
-    <dgm:cxn modelId="{E416030C-889F-1D4E-8E7A-12765F85A3D8}" type="presOf" srcId="{A8EE6B73-CA9B-A644-93A3-5F3281FDC365}" destId="{959764E7-3213-9E43-BEA0-060E85AC7D72}" srcOrd="0" destOrd="0" presId="urn:microsoft.com/office/officeart/2008/layout/AlternatingHexagons"/>
+    <dgm:cxn modelId="{02685778-D0E4-FD4A-9681-D2EF22F1858A}" srcId="{61A59C73-97AA-AA4B-A0CB-65577F613AF0}" destId="{381539AD-091F-FF47-A3A3-5E10F817FA34}" srcOrd="2" destOrd="0" parTransId="{47291B0B-3B49-A14C-934E-5ACCB6D72147}" sibTransId="{A8EE6B73-CA9B-A644-93A3-5F3281FDC365}"/>
+    <dgm:cxn modelId="{645AC718-6F03-0F4B-833E-1235D68499C4}" type="presOf" srcId="{E540AB26-AF35-124F-8155-C7977E82EF17}" destId="{9D915130-24E5-5C4C-B0FD-33D1CD89EF99}" srcOrd="0" destOrd="0" presId="urn:microsoft.com/office/officeart/2008/layout/AlternatingHexagons"/>
     <dgm:cxn modelId="{42526947-2316-1949-AB07-A17D4DE1BF5A}" type="presOf" srcId="{CE5E3C89-EA99-A247-A334-44A5CE2AB7F0}" destId="{3CD9EE5E-5A91-034B-94CE-036D35776F2E}" srcOrd="0" destOrd="0" presId="urn:microsoft.com/office/officeart/2008/layout/AlternatingHexagons"/>
-    <dgm:cxn modelId="{5D6C39C9-6C91-D244-88FF-7C6C84DBB845}" srcId="{E540AB26-AF35-124F-8155-C7977E82EF17}" destId="{8077130A-308B-3F40-8B9D-CE016C8957A7}" srcOrd="0" destOrd="0" parTransId="{68D4A107-8B74-4B43-A186-32A0C07F3CC3}" sibTransId="{129CBB21-A637-914F-8577-D96E4B6522FF}"/>
-    <dgm:cxn modelId="{02685778-D0E4-FD4A-9681-D2EF22F1858A}" srcId="{61A59C73-97AA-AA4B-A0CB-65577F613AF0}" destId="{381539AD-091F-FF47-A3A3-5E10F817FA34}" srcOrd="2" destOrd="0" parTransId="{47291B0B-3B49-A14C-934E-5ACCB6D72147}" sibTransId="{A8EE6B73-CA9B-A644-93A3-5F3281FDC365}"/>
+    <dgm:cxn modelId="{725269F2-7C23-254F-B49C-0DC41700C792}" type="presOf" srcId="{69C5705C-F01C-E544-8296-4CC15335FEC4}" destId="{E8328BD8-3CC1-5649-820D-DDA948BB98F6}" srcOrd="0" destOrd="0" presId="urn:microsoft.com/office/officeart/2008/layout/AlternatingHexagons"/>
     <dgm:cxn modelId="{9D824FAC-EAD0-3E49-BAB3-FC1521FCB859}" srcId="{61A59C73-97AA-AA4B-A0CB-65577F613AF0}" destId="{5673CD12-0EC2-684F-9403-EEE76E7C4B52}" srcOrd="0" destOrd="0" parTransId="{C19EE57F-33AF-5C4E-A3B3-953BF3115345}" sibTransId="{C17642CC-03C1-3A41-A829-936E7BB266A1}"/>
     <dgm:cxn modelId="{769D9874-9CC4-FE4D-9B4D-170BB888E00B}" srcId="{5673CD12-0EC2-684F-9403-EEE76E7C4B52}" destId="{409C1EA3-2388-5242-A253-1694DED13E42}" srcOrd="0" destOrd="0" parTransId="{B14F9C55-0211-EB42-A70E-E54E50D71311}" sibTransId="{071A83F4-930A-0A42-91F4-F8F540FF54B0}"/>
+    <dgm:cxn modelId="{063C44AD-7CC0-114F-83E2-F284CF7B7820}" srcId="{61A59C73-97AA-AA4B-A0CB-65577F613AF0}" destId="{E540AB26-AF35-124F-8155-C7977E82EF17}" srcOrd="1" destOrd="0" parTransId="{8981AB18-935D-E842-B459-91AC20748559}" sibTransId="{69C5705C-F01C-E544-8296-4CC15335FEC4}"/>
+    <dgm:cxn modelId="{92C2FDBA-9624-DA41-883B-C234AD48C6E9}" type="presOf" srcId="{8077130A-308B-3F40-8B9D-CE016C8957A7}" destId="{9417F4A2-4E75-754D-BF31-1F7D7D838035}" srcOrd="0" destOrd="0" presId="urn:microsoft.com/office/officeart/2008/layout/AlternatingHexagons"/>
     <dgm:cxn modelId="{FF6173E4-3658-3449-AE76-1A32B1698150}" type="presOf" srcId="{409C1EA3-2388-5242-A253-1694DED13E42}" destId="{5B6EC1ED-AAA7-3540-9AEE-D6D501E692A2}" srcOrd="0" destOrd="0" presId="urn:microsoft.com/office/officeart/2008/layout/AlternatingHexagons"/>
-    <dgm:cxn modelId="{063C44AD-7CC0-114F-83E2-F284CF7B7820}" srcId="{61A59C73-97AA-AA4B-A0CB-65577F613AF0}" destId="{E540AB26-AF35-124F-8155-C7977E82EF17}" srcOrd="1" destOrd="0" parTransId="{8981AB18-935D-E842-B459-91AC20748559}" sibTransId="{69C5705C-F01C-E544-8296-4CC15335FEC4}"/>
-    <dgm:cxn modelId="{881396E6-C12D-B740-A830-B6EA384CB862}" type="presOf" srcId="{C17642CC-03C1-3A41-A829-936E7BB266A1}" destId="{8748682F-383B-6249-91D3-55EAA744E40C}" srcOrd="0" destOrd="0" presId="urn:microsoft.com/office/officeart/2008/layout/AlternatingHexagons"/>
-    <dgm:cxn modelId="{645AC718-6F03-0F4B-833E-1235D68499C4}" type="presOf" srcId="{E540AB26-AF35-124F-8155-C7977E82EF17}" destId="{9D915130-24E5-5C4C-B0FD-33D1CD89EF99}" srcOrd="0" destOrd="0" presId="urn:microsoft.com/office/officeart/2008/layout/AlternatingHexagons"/>
-    <dgm:cxn modelId="{99F66125-C3E2-3945-8944-0383C29E269D}" type="presOf" srcId="{381539AD-091F-FF47-A3A3-5E10F817FA34}" destId="{F7A554A7-1674-AE43-AAE5-C047129C2354}" srcOrd="0" destOrd="0" presId="urn:microsoft.com/office/officeart/2008/layout/AlternatingHexagons"/>
-    <dgm:cxn modelId="{725269F2-7C23-254F-B49C-0DC41700C792}" type="presOf" srcId="{69C5705C-F01C-E544-8296-4CC15335FEC4}" destId="{E8328BD8-3CC1-5649-820D-DDA948BB98F6}" srcOrd="0" destOrd="0" presId="urn:microsoft.com/office/officeart/2008/layout/AlternatingHexagons"/>
-    <dgm:cxn modelId="{92C2FDBA-9624-DA41-883B-C234AD48C6E9}" type="presOf" srcId="{8077130A-308B-3F40-8B9D-CE016C8957A7}" destId="{9417F4A2-4E75-754D-BF31-1F7D7D838035}" srcOrd="0" destOrd="0" presId="urn:microsoft.com/office/officeart/2008/layout/AlternatingHexagons"/>
     <dgm:cxn modelId="{86905EEB-B674-C047-BD2C-C905805F4FD2}" srcId="{381539AD-091F-FF47-A3A3-5E10F817FA34}" destId="{CE5E3C89-EA99-A247-A334-44A5CE2AB7F0}" srcOrd="0" destOrd="0" parTransId="{9E0647BA-CF84-304B-9885-9A3CD24DC55D}" sibTransId="{8F1D129C-C888-8441-8030-C139E8F86B92}"/>
     <dgm:cxn modelId="{2121E7C0-59FD-3445-8A08-69860669EBED}" type="presOf" srcId="{5673CD12-0EC2-684F-9403-EEE76E7C4B52}" destId="{656B6DD6-B220-304E-8C06-C0F1AB5BA8A0}" srcOrd="0" destOrd="0" presId="urn:microsoft.com/office/officeart/2008/layout/AlternatingHexagons"/>
     <dgm:cxn modelId="{E2F38A70-1AD1-4E41-AA4E-51B3425D798A}" type="presOf" srcId="{61A59C73-97AA-AA4B-A0CB-65577F613AF0}" destId="{0553558A-FF8D-9C48-B3DD-9162B3CF9EC0}" srcOrd="0" destOrd="0" presId="urn:microsoft.com/office/officeart/2008/layout/AlternatingHexagons"/>
+    <dgm:cxn modelId="{E416030C-889F-1D4E-8E7A-12765F85A3D8}" type="presOf" srcId="{A8EE6B73-CA9B-A644-93A3-5F3281FDC365}" destId="{959764E7-3213-9E43-BEA0-060E85AC7D72}" srcOrd="0" destOrd="0" presId="urn:microsoft.com/office/officeart/2008/layout/AlternatingHexagons"/>
+    <dgm:cxn modelId="{5D6C39C9-6C91-D244-88FF-7C6C84DBB845}" srcId="{E540AB26-AF35-124F-8155-C7977E82EF17}" destId="{8077130A-308B-3F40-8B9D-CE016C8957A7}" srcOrd="0" destOrd="0" parTransId="{68D4A107-8B74-4B43-A186-32A0C07F3CC3}" sibTransId="{129CBB21-A637-914F-8577-D96E4B6522FF}"/>
+    <dgm:cxn modelId="{99F66125-C3E2-3945-8944-0383C29E269D}" type="presOf" srcId="{381539AD-091F-FF47-A3A3-5E10F817FA34}" destId="{F7A554A7-1674-AE43-AAE5-C047129C2354}" srcOrd="0" destOrd="0" presId="urn:microsoft.com/office/officeart/2008/layout/AlternatingHexagons"/>
+    <dgm:cxn modelId="{881396E6-C12D-B740-A830-B6EA384CB862}" type="presOf" srcId="{C17642CC-03C1-3A41-A829-936E7BB266A1}" destId="{8748682F-383B-6249-91D3-55EAA744E40C}" srcOrd="0" destOrd="0" presId="urn:microsoft.com/office/officeart/2008/layout/AlternatingHexagons"/>
     <dgm:cxn modelId="{1631A75D-B2EA-D14A-8D55-D46E49C87F3F}" type="presParOf" srcId="{0553558A-FF8D-9C48-B3DD-9162B3CF9EC0}" destId="{225F8517-4D43-0448-A093-E1163E3A3739}" srcOrd="0" destOrd="0" presId="urn:microsoft.com/office/officeart/2008/layout/AlternatingHexagons"/>
     <dgm:cxn modelId="{132DEFB9-6E05-AE4A-BA49-A642E5065A1C}" type="presParOf" srcId="{225F8517-4D43-0448-A093-E1163E3A3739}" destId="{656B6DD6-B220-304E-8C06-C0F1AB5BA8A0}" srcOrd="0" destOrd="0" presId="urn:microsoft.com/office/officeart/2008/layout/AlternatingHexagons"/>
     <dgm:cxn modelId="{D088C9F4-5ABA-DD49-BE7E-283874038F03}" type="presParOf" srcId="{225F8517-4D43-0448-A093-E1163E3A3739}" destId="{5B6EC1ED-AAA7-3540-9AEE-D6D501E692A2}" srcOrd="1" destOrd="0" presId="urn:microsoft.com/office/officeart/2008/layout/AlternatingHexagons"/>
@@ -7357,8 +7371,8 @@
       </dsp:nvSpPr>
       <dsp:spPr>
         <a:xfrm rot="5400000">
-          <a:off x="3543504" y="124103"/>
-          <a:ext cx="1876336" cy="1632413"/>
+          <a:off x="1663788" y="4238084"/>
+          <a:ext cx="2402631" cy="2090289"/>
         </a:xfrm>
         <a:prstGeom prst="hexagon">
           <a:avLst>
@@ -7408,12 +7422,12 @@
         </a:fontRef>
       </dsp:style>
       <dsp:txBody>
-        <a:bodyPr spcFirstLastPara="0" vert="horz" wrap="square" lIns="41910" tIns="41910" rIns="41910" bIns="41910" numCol="1" spcCol="1270" anchor="ctr" anchorCtr="0">
+        <a:bodyPr spcFirstLastPara="0" vert="horz" wrap="square" lIns="53340" tIns="53340" rIns="53340" bIns="53340" numCol="1" spcCol="1270" anchor="ctr" anchorCtr="0">
           <a:noAutofit/>
         </a:bodyPr>
         <a:lstStyle/>
         <a:p>
-          <a:pPr lvl="0" algn="ctr" defTabSz="488950">
+          <a:pPr lvl="0" algn="ctr" defTabSz="622300">
             <a:lnSpc>
               <a:spcPct val="90000"/>
             </a:lnSpc>
@@ -7425,14 +7439,14 @@
             </a:spcAft>
           </a:pPr>
           <a:r>
-            <a:rPr lang="de-DE" sz="1100" b="1" kern="1200" dirty="0" smtClean="0">
+            <a:rPr lang="de-DE" sz="1400" b="1" kern="1200" dirty="0" smtClean="0">
               <a:solidFill>
                 <a:srgbClr val="000000"/>
               </a:solidFill>
             </a:rPr>
             <a:t>Grundsatz der Wirtschaftlichkeit</a:t>
           </a:r>
-          <a:endParaRPr lang="de-DE" sz="1100" b="1" kern="1200" dirty="0">
+          <a:endParaRPr lang="de-DE" sz="1400" b="1" kern="1200" dirty="0">
             <a:solidFill>
               <a:srgbClr val="000000"/>
             </a:solidFill>
@@ -7440,8 +7454,8 @@
         </a:p>
       </dsp:txBody>
       <dsp:txXfrm rot="-5400000">
-        <a:off x="3919849" y="294538"/>
-        <a:ext cx="1123645" cy="1291544"/>
+        <a:off x="2145696" y="4456323"/>
+        <a:ext cx="1438815" cy="1653811"/>
       </dsp:txXfrm>
     </dsp:sp>
     <dsp:sp modelId="{5B6EC1ED-AAA7-3540-9AEE-D6D501E692A2}">
@@ -7451,8 +7465,8 @@
       </dsp:nvSpPr>
       <dsp:spPr>
         <a:xfrm>
-          <a:off x="4802578" y="2099818"/>
-          <a:ext cx="2093991" cy="1125802"/>
+          <a:off x="5544425" y="2688420"/>
+          <a:ext cx="2681337" cy="1441579"/>
         </a:xfrm>
         <a:prstGeom prst="rect">
           <a:avLst/>
@@ -7476,12 +7490,12 @@
         <a:fontRef idx="minor"/>
       </dsp:style>
       <dsp:txBody>
-        <a:bodyPr spcFirstLastPara="0" vert="horz" wrap="square" lIns="137160" tIns="137160" rIns="137160" bIns="137160" numCol="1" spcCol="1270" anchor="ctr" anchorCtr="0">
+        <a:bodyPr spcFirstLastPara="0" vert="horz" wrap="square" lIns="53340" tIns="53340" rIns="53340" bIns="53340" numCol="1" spcCol="1270" anchor="ctr" anchorCtr="0">
           <a:noAutofit/>
         </a:bodyPr>
         <a:lstStyle/>
         <a:p>
-          <a:pPr lvl="0" algn="l" defTabSz="1600200">
+          <a:pPr lvl="0" algn="l" defTabSz="622300">
             <a:lnSpc>
               <a:spcPct val="90000"/>
             </a:lnSpc>
@@ -7492,12 +7506,12 @@
               <a:spcPct val="35000"/>
             </a:spcAft>
           </a:pPr>
-          <a:endParaRPr lang="de-DE" sz="3600" kern="1200" dirty="0"/>
+          <a:endParaRPr lang="de-DE" sz="1400" kern="1200" dirty="0"/>
         </a:p>
       </dsp:txBody>
       <dsp:txXfrm>
-        <a:off x="4802578" y="2099818"/>
-        <a:ext cx="2093991" cy="1125802"/>
+        <a:off x="5544425" y="2688420"/>
+        <a:ext cx="2681337" cy="1441579"/>
       </dsp:txXfrm>
     </dsp:sp>
     <dsp:sp modelId="{8748682F-383B-6249-91D3-55EAA744E40C}">
@@ -7507,8 +7521,8 @@
       </dsp:nvSpPr>
       <dsp:spPr>
         <a:xfrm rot="5400000">
-          <a:off x="1780498" y="124103"/>
-          <a:ext cx="1876336" cy="1632413"/>
+          <a:off x="1674679" y="158535"/>
+          <a:ext cx="2402631" cy="2090289"/>
         </a:xfrm>
         <a:prstGeom prst="hexagon">
           <a:avLst>
@@ -7563,7 +7577,7 @@
         </a:bodyPr>
         <a:lstStyle/>
         <a:p>
-          <a:pPr lvl="0" algn="ctr" defTabSz="1600200">
+          <a:pPr lvl="0" algn="ctr" defTabSz="622300">
             <a:lnSpc>
               <a:spcPct val="90000"/>
             </a:lnSpc>
@@ -7574,12 +7588,12 @@
               <a:spcPct val="35000"/>
             </a:spcAft>
           </a:pPr>
-          <a:endParaRPr lang="de-DE" sz="3600" kern="1200"/>
+          <a:endParaRPr lang="de-DE" sz="1400" kern="1200"/>
         </a:p>
       </dsp:txBody>
       <dsp:txXfrm rot="-5400000">
-        <a:off x="2156843" y="294538"/>
-        <a:ext cx="1123645" cy="1291544"/>
+        <a:off x="2156587" y="376774"/>
+        <a:ext cx="1438815" cy="1653811"/>
       </dsp:txXfrm>
     </dsp:sp>
     <dsp:sp modelId="{9D915130-24E5-5C4C-B0FD-33D1CD89EF99}">
@@ -7589,8 +7603,8 @@
       </dsp:nvSpPr>
       <dsp:spPr>
         <a:xfrm rot="5400000">
-          <a:off x="2658623" y="1716738"/>
-          <a:ext cx="1876336" cy="1632413"/>
+          <a:off x="2799111" y="2197889"/>
+          <a:ext cx="2402631" cy="2090289"/>
         </a:xfrm>
         <a:prstGeom prst="hexagon">
           <a:avLst>
@@ -7640,12 +7654,12 @@
         </a:fontRef>
       </dsp:style>
       <dsp:txBody>
-        <a:bodyPr spcFirstLastPara="0" vert="horz" wrap="square" lIns="41910" tIns="41910" rIns="41910" bIns="41910" numCol="1" spcCol="1270" anchor="ctr" anchorCtr="0">
+        <a:bodyPr spcFirstLastPara="0" vert="horz" wrap="square" lIns="53340" tIns="53340" rIns="53340" bIns="53340" numCol="1" spcCol="1270" anchor="ctr" anchorCtr="0">
           <a:noAutofit/>
         </a:bodyPr>
         <a:lstStyle/>
         <a:p>
-          <a:pPr lvl="0" algn="ctr" defTabSz="488950">
+          <a:pPr lvl="0" algn="ctr" defTabSz="622300">
             <a:lnSpc>
               <a:spcPct val="90000"/>
             </a:lnSpc>
@@ -7657,7 +7671,7 @@
             </a:spcAft>
           </a:pPr>
           <a:r>
-            <a:rPr lang="de-DE" sz="1100" b="1" kern="1200" dirty="0" smtClean="0">
+            <a:rPr lang="de-DE" sz="1400" b="1" kern="1200" dirty="0" smtClean="0">
               <a:solidFill>
                 <a:srgbClr val="000000"/>
               </a:solidFill>
@@ -7665,7 +7679,7 @@
             <a:t>Grundsatz</a:t>
           </a:r>
           <a:r>
-            <a:rPr lang="de-DE" sz="1100" kern="1200" dirty="0" smtClean="0">
+            <a:rPr lang="de-DE" sz="1400" kern="1200" dirty="0" smtClean="0">
               <a:solidFill>
                 <a:srgbClr val="000000"/>
               </a:solidFill>
@@ -7673,14 +7687,14 @@
             <a:t> </a:t>
           </a:r>
           <a:r>
-            <a:rPr lang="de-DE" sz="1100" b="1" kern="1200" dirty="0" smtClean="0">
+            <a:rPr lang="de-DE" sz="1400" b="1" kern="1200" dirty="0" smtClean="0">
               <a:solidFill>
                 <a:srgbClr val="000000"/>
               </a:solidFill>
             </a:rPr>
             <a:t>der Relevanz</a:t>
           </a:r>
-          <a:endParaRPr lang="de-DE" sz="1100" b="1" kern="1200" dirty="0">
+          <a:endParaRPr lang="de-DE" sz="1400" b="1" kern="1200" dirty="0">
             <a:solidFill>
               <a:srgbClr val="000000"/>
             </a:solidFill>
@@ -7688,8 +7702,8 @@
         </a:p>
       </dsp:txBody>
       <dsp:txXfrm rot="-5400000">
-        <a:off x="3034968" y="1887173"/>
-        <a:ext cx="1123645" cy="1291544"/>
+        <a:off x="3281019" y="2416128"/>
+        <a:ext cx="1438815" cy="1653811"/>
       </dsp:txXfrm>
     </dsp:sp>
     <dsp:sp modelId="{9417F4A2-4E75-754D-BF31-1F7D7D838035}">
@@ -7699,8 +7713,8 @@
       </dsp:nvSpPr>
       <dsp:spPr>
         <a:xfrm>
-          <a:off x="1735653" y="550531"/>
-          <a:ext cx="1360939" cy="705360"/>
+          <a:off x="1617256" y="704571"/>
+          <a:ext cx="1742670" cy="903207"/>
         </a:xfrm>
         <a:prstGeom prst="rect">
           <a:avLst/>
@@ -7724,12 +7738,12 @@
         <a:fontRef idx="minor"/>
       </dsp:style>
       <dsp:txBody>
-        <a:bodyPr spcFirstLastPara="0" vert="horz" wrap="square" lIns="41910" tIns="41910" rIns="41910" bIns="41910" numCol="1" spcCol="1270" anchor="ctr" anchorCtr="0">
+        <a:bodyPr spcFirstLastPara="0" vert="horz" wrap="square" lIns="53340" tIns="53340" rIns="53340" bIns="53340" numCol="1" spcCol="1270" anchor="ctr" anchorCtr="0">
           <a:noAutofit/>
         </a:bodyPr>
         <a:lstStyle/>
         <a:p>
-          <a:pPr lvl="0" algn="r" defTabSz="488950">
+          <a:pPr lvl="0" algn="r" defTabSz="622300">
             <a:lnSpc>
               <a:spcPct val="90000"/>
             </a:lnSpc>
@@ -7741,14 +7755,14 @@
             </a:spcAft>
           </a:pPr>
           <a:r>
-            <a:rPr lang="de-DE" sz="1100" b="1" kern="1200" dirty="0" smtClean="0">
+            <a:rPr lang="de-DE" sz="1400" b="1" kern="1200" dirty="0" smtClean="0">
               <a:solidFill>
                 <a:schemeClr val="tx1"/>
               </a:solidFill>
             </a:rPr>
             <a:t>Grundsatz der Richtigkeit</a:t>
           </a:r>
-          <a:endParaRPr lang="de-DE" sz="1100" b="1" kern="1200" dirty="0">
+          <a:endParaRPr lang="de-DE" sz="1400" b="1" kern="1200" dirty="0">
             <a:solidFill>
               <a:schemeClr val="tx1"/>
             </a:solidFill>
@@ -7756,8 +7770,8 @@
         </a:p>
       </dsp:txBody>
       <dsp:txXfrm>
-        <a:off x="1735653" y="550531"/>
-        <a:ext cx="1360939" cy="705360"/>
+        <a:off x="1617256" y="704571"/>
+        <a:ext cx="1742670" cy="903207"/>
       </dsp:txXfrm>
     </dsp:sp>
     <dsp:sp modelId="{E8328BD8-3CC1-5649-820D-DDA948BB98F6}">
@@ -7767,8 +7781,8 @@
       </dsp:nvSpPr>
       <dsp:spPr>
         <a:xfrm rot="5400000">
-          <a:off x="4421629" y="1716738"/>
-          <a:ext cx="1876336" cy="1632413"/>
+          <a:off x="3888256" y="4238084"/>
+          <a:ext cx="2402631" cy="2090289"/>
         </a:xfrm>
         <a:prstGeom prst="hexagon">
           <a:avLst>
@@ -7823,7 +7837,7 @@
         </a:bodyPr>
         <a:lstStyle/>
         <a:p>
-          <a:pPr lvl="0" algn="ctr" defTabSz="488950">
+          <a:pPr lvl="0" algn="ctr" defTabSz="622300">
             <a:lnSpc>
               <a:spcPct val="90000"/>
             </a:lnSpc>
@@ -7835,14 +7849,14 @@
             </a:spcAft>
           </a:pPr>
           <a:r>
-            <a:rPr lang="de-DE" sz="1100" b="1" kern="1200" dirty="0" smtClean="0">
+            <a:rPr lang="de-DE" sz="1400" b="1" kern="1200" dirty="0" smtClean="0">
               <a:solidFill>
                 <a:srgbClr val="000000"/>
               </a:solidFill>
             </a:rPr>
             <a:t>Grundsatz der Vergleichbarkeit</a:t>
           </a:r>
-          <a:endParaRPr lang="de-DE" sz="1100" b="1" kern="1200" dirty="0">
+          <a:endParaRPr lang="de-DE" sz="1400" b="1" kern="1200" dirty="0">
             <a:solidFill>
               <a:srgbClr val="000000"/>
             </a:solidFill>
@@ -7850,8 +7864,8 @@
         </a:p>
       </dsp:txBody>
       <dsp:txXfrm rot="-5400000">
-        <a:off x="4797974" y="1887173"/>
-        <a:ext cx="1123645" cy="1291544"/>
+        <a:off x="4370164" y="4456323"/>
+        <a:ext cx="1438815" cy="1653811"/>
       </dsp:txXfrm>
     </dsp:sp>
     <dsp:sp modelId="{F7A554A7-1674-AE43-AAE5-C047129C2354}">
@@ -7861,8 +7875,8 @@
       </dsp:nvSpPr>
       <dsp:spPr>
         <a:xfrm rot="5400000">
-          <a:off x="3543504" y="3309373"/>
-          <a:ext cx="1876336" cy="1632413"/>
+          <a:off x="5047445" y="2201300"/>
+          <a:ext cx="2402631" cy="2090289"/>
         </a:xfrm>
         <a:prstGeom prst="hexagon">
           <a:avLst>
@@ -7912,12 +7926,12 @@
         </a:fontRef>
       </dsp:style>
       <dsp:txBody>
-        <a:bodyPr spcFirstLastPara="0" vert="horz" wrap="square" lIns="41910" tIns="41910" rIns="41910" bIns="41910" numCol="1" spcCol="1270" anchor="ctr" anchorCtr="0">
+        <a:bodyPr spcFirstLastPara="0" vert="horz" wrap="square" lIns="53340" tIns="53340" rIns="53340" bIns="53340" numCol="1" spcCol="1270" anchor="ctr" anchorCtr="0">
           <a:noAutofit/>
         </a:bodyPr>
         <a:lstStyle/>
         <a:p>
-          <a:pPr lvl="0" algn="ctr" defTabSz="488950">
+          <a:pPr lvl="0" algn="ctr" defTabSz="622300">
             <a:lnSpc>
               <a:spcPct val="90000"/>
             </a:lnSpc>
@@ -7929,7 +7943,7 @@
             </a:spcAft>
           </a:pPr>
           <a:r>
-            <a:rPr lang="de-DE" sz="1100" b="1" kern="1200" dirty="0" smtClean="0">
+            <a:rPr lang="de-DE" sz="1400" b="1" kern="1200" dirty="0" smtClean="0">
               <a:solidFill>
                 <a:srgbClr val="000000"/>
               </a:solidFill>
@@ -7937,18 +7951,18 @@
             <a:t>Grundsatz</a:t>
           </a:r>
           <a:r>
-            <a:rPr lang="de-DE" sz="1100" kern="1200" dirty="0" smtClean="0"/>
+            <a:rPr lang="de-DE" sz="1400" kern="1200" dirty="0" smtClean="0"/>
             <a:t> </a:t>
           </a:r>
           <a:r>
-            <a:rPr lang="de-DE" sz="1100" b="1" kern="1200" dirty="0" smtClean="0">
+            <a:rPr lang="de-DE" sz="1400" b="1" kern="1200" dirty="0" smtClean="0">
               <a:solidFill>
                 <a:srgbClr val="000000"/>
               </a:solidFill>
             </a:rPr>
             <a:t>der Klarheit</a:t>
           </a:r>
-          <a:endParaRPr lang="de-DE" sz="1100" b="1" kern="1200" dirty="0">
+          <a:endParaRPr lang="de-DE" sz="1400" b="1" kern="1200" dirty="0">
             <a:solidFill>
               <a:srgbClr val="000000"/>
             </a:solidFill>
@@ -7956,8 +7970,8 @@
         </a:p>
       </dsp:txBody>
       <dsp:txXfrm rot="-5400000">
-        <a:off x="3919849" y="3479808"/>
-        <a:ext cx="1123645" cy="1291544"/>
+        <a:off x="5529353" y="2419539"/>
+        <a:ext cx="1438815" cy="1653811"/>
       </dsp:txXfrm>
     </dsp:sp>
     <dsp:sp modelId="{3CD9EE5E-5A91-034B-94CE-036D35776F2E}">
@@ -7967,8 +7981,8 @@
       </dsp:nvSpPr>
       <dsp:spPr>
         <a:xfrm>
-          <a:off x="5523184" y="3685706"/>
-          <a:ext cx="2093991" cy="1125802"/>
+          <a:off x="6467154" y="4719134"/>
+          <a:ext cx="2681337" cy="1441579"/>
         </a:xfrm>
         <a:prstGeom prst="rect">
           <a:avLst/>
@@ -7992,12 +8006,12 @@
         <a:fontRef idx="minor"/>
       </dsp:style>
       <dsp:txBody>
-        <a:bodyPr spcFirstLastPara="0" vert="horz" wrap="square" lIns="137160" tIns="137160" rIns="137160" bIns="137160" numCol="1" spcCol="1270" anchor="ctr" anchorCtr="0">
+        <a:bodyPr spcFirstLastPara="0" vert="horz" wrap="square" lIns="53340" tIns="53340" rIns="53340" bIns="53340" numCol="1" spcCol="1270" anchor="ctr" anchorCtr="0">
           <a:noAutofit/>
         </a:bodyPr>
         <a:lstStyle/>
         <a:p>
-          <a:pPr lvl="0" algn="l" defTabSz="1600200">
+          <a:pPr lvl="0" algn="l" defTabSz="622300">
             <a:lnSpc>
               <a:spcPct val="90000"/>
             </a:lnSpc>
@@ -8008,12 +8022,12 @@
               <a:spcPct val="35000"/>
             </a:spcAft>
           </a:pPr>
-          <a:endParaRPr lang="de-DE" sz="3600" kern="1200" dirty="0"/>
+          <a:endParaRPr lang="de-DE" sz="1400" kern="1200" dirty="0"/>
         </a:p>
       </dsp:txBody>
       <dsp:txXfrm>
-        <a:off x="5523184" y="3685706"/>
-        <a:ext cx="2093991" cy="1125802"/>
+        <a:off x="6467154" y="4719134"/>
+        <a:ext cx="2681337" cy="1441579"/>
       </dsp:txXfrm>
     </dsp:sp>
     <dsp:sp modelId="{959764E7-3213-9E43-BEA0-060E85AC7D72}">
@@ -8023,8 +8037,8 @@
       </dsp:nvSpPr>
       <dsp:spPr>
         <a:xfrm rot="5400000">
-          <a:off x="1780498" y="3309373"/>
-          <a:ext cx="1876336" cy="1632413"/>
+          <a:off x="3958300" y="157694"/>
+          <a:ext cx="2402631" cy="2090289"/>
         </a:xfrm>
         <a:prstGeom prst="hexagon">
           <a:avLst>
@@ -8074,7 +8088,7 @@
         </a:bodyPr>
         <a:lstStyle/>
         <a:p>
-          <a:pPr lvl="0" algn="ctr" defTabSz="488950">
+          <a:pPr lvl="0" algn="ctr" defTabSz="622300">
             <a:lnSpc>
               <a:spcPct val="90000"/>
             </a:lnSpc>
@@ -8085,12 +8099,12 @@
               <a:spcPct val="35000"/>
             </a:spcAft>
           </a:pPr>
-          <a:endParaRPr lang="de-DE" sz="1100" kern="1200"/>
+          <a:endParaRPr lang="de-DE" sz="1400" kern="1200"/>
         </a:p>
       </dsp:txBody>
       <dsp:txXfrm rot="-5400000">
-        <a:off x="2156843" y="3479808"/>
-        <a:ext cx="1123645" cy="1291544"/>
+        <a:off x="4440208" y="375933"/>
+        <a:ext cx="1438815" cy="1653811"/>
       </dsp:txXfrm>
     </dsp:sp>
   </dsp:spTree>
@@ -15726,7 +15740,7 @@
           <a:p>
             <a:fld id="{4604F029-FAAB-E14E-91D9-0ECB491C09BD}" type="datetimeFigureOut">
               <a:rPr lang="de-DE" smtClean="0"/>
-              <a:t>26.04.14</a:t>
+              <a:t>07.12.14</a:t>
             </a:fld>
             <a:endParaRPr lang="de-DE"/>
           </a:p>
@@ -15896,7 +15910,7 @@
           <a:p>
             <a:fld id="{4604F029-FAAB-E14E-91D9-0ECB491C09BD}" type="datetimeFigureOut">
               <a:rPr lang="de-DE" smtClean="0"/>
-              <a:t>26.04.14</a:t>
+              <a:t>07.12.14</a:t>
             </a:fld>
             <a:endParaRPr lang="de-DE"/>
           </a:p>
@@ -16076,7 +16090,7 @@
           <a:p>
             <a:fld id="{4604F029-FAAB-E14E-91D9-0ECB491C09BD}" type="datetimeFigureOut">
               <a:rPr lang="de-DE" smtClean="0"/>
-              <a:t>26.04.14</a:t>
+              <a:t>07.12.14</a:t>
             </a:fld>
             <a:endParaRPr lang="de-DE"/>
           </a:p>
@@ -16246,7 +16260,7 @@
           <a:p>
             <a:fld id="{4604F029-FAAB-E14E-91D9-0ECB491C09BD}" type="datetimeFigureOut">
               <a:rPr lang="de-DE" smtClean="0"/>
-              <a:t>26.04.14</a:t>
+              <a:t>07.12.14</a:t>
             </a:fld>
             <a:endParaRPr lang="de-DE"/>
           </a:p>
@@ -16492,7 +16506,7 @@
           <a:p>
             <a:fld id="{4604F029-FAAB-E14E-91D9-0ECB491C09BD}" type="datetimeFigureOut">
               <a:rPr lang="de-DE" smtClean="0"/>
-              <a:t>26.04.14</a:t>
+              <a:t>07.12.14</a:t>
             </a:fld>
             <a:endParaRPr lang="de-DE"/>
           </a:p>
@@ -16780,7 +16794,7 @@
           <a:p>
             <a:fld id="{4604F029-FAAB-E14E-91D9-0ECB491C09BD}" type="datetimeFigureOut">
               <a:rPr lang="de-DE" smtClean="0"/>
-              <a:t>26.04.14</a:t>
+              <a:t>07.12.14</a:t>
             </a:fld>
             <a:endParaRPr lang="de-DE"/>
           </a:p>
@@ -17202,7 +17216,7 @@
           <a:p>
             <a:fld id="{4604F029-FAAB-E14E-91D9-0ECB491C09BD}" type="datetimeFigureOut">
               <a:rPr lang="de-DE" smtClean="0"/>
-              <a:t>26.04.14</a:t>
+              <a:t>07.12.14</a:t>
             </a:fld>
             <a:endParaRPr lang="de-DE"/>
           </a:p>
@@ -17320,7 +17334,7 @@
           <a:p>
             <a:fld id="{4604F029-FAAB-E14E-91D9-0ECB491C09BD}" type="datetimeFigureOut">
               <a:rPr lang="de-DE" smtClean="0"/>
-              <a:t>26.04.14</a:t>
+              <a:t>07.12.14</a:t>
             </a:fld>
             <a:endParaRPr lang="de-DE"/>
           </a:p>
@@ -17415,7 +17429,7 @@
           <a:p>
             <a:fld id="{4604F029-FAAB-E14E-91D9-0ECB491C09BD}" type="datetimeFigureOut">
               <a:rPr lang="de-DE" smtClean="0"/>
-              <a:t>26.04.14</a:t>
+              <a:t>07.12.14</a:t>
             </a:fld>
             <a:endParaRPr lang="de-DE"/>
           </a:p>
@@ -17692,7 +17706,7 @@
           <a:p>
             <a:fld id="{4604F029-FAAB-E14E-91D9-0ECB491C09BD}" type="datetimeFigureOut">
               <a:rPr lang="de-DE" smtClean="0"/>
-              <a:t>26.04.14</a:t>
+              <a:t>07.12.14</a:t>
             </a:fld>
             <a:endParaRPr lang="de-DE"/>
           </a:p>
@@ -17945,7 +17959,7 @@
           <a:p>
             <a:fld id="{4604F029-FAAB-E14E-91D9-0ECB491C09BD}" type="datetimeFigureOut">
               <a:rPr lang="de-DE" smtClean="0"/>
-              <a:t>26.04.14</a:t>
+              <a:t>07.12.14</a:t>
             </a:fld>
             <a:endParaRPr lang="de-DE"/>
           </a:p>
@@ -18158,7 +18172,7 @@
           <a:p>
             <a:fld id="{4604F029-FAAB-E14E-91D9-0ECB491C09BD}" type="datetimeFigureOut">
               <a:rPr lang="de-DE" smtClean="0"/>
-              <a:t>26.04.14</a:t>
+              <a:t>07.12.14</a:t>
             </a:fld>
             <a:endParaRPr lang="de-DE"/>
           </a:p>
@@ -19405,8 +19419,8 @@
         </p:nvGrpSpPr>
         <p:grpSpPr>
           <a:xfrm>
-            <a:off x="747889" y="1453443"/>
-            <a:ext cx="8128000" cy="5065890"/>
+            <a:off x="98778" y="226868"/>
+            <a:ext cx="9197365" cy="6486068"/>
             <a:chOff x="747889" y="1453443"/>
             <a:chExt cx="8128000" cy="5065890"/>
           </a:xfrm>
@@ -19418,7 +19432,7 @@
             <p:nvPr>
               <p:extLst>
                 <p:ext uri="{D42A27DB-BD31-4B8C-83A1-F6EECF244321}">
-                  <p14:modId xmlns:p14="http://schemas.microsoft.com/office/powerpoint/2010/main" val="723325448"/>
+                  <p14:modId xmlns:p14="http://schemas.microsoft.com/office/powerpoint/2010/main" val="2137816816"/>
                 </p:ext>
               </p:extLst>
             </p:nvPr>
@@ -19441,8 +19455,8 @@
           </p:nvSpPr>
           <p:spPr>
             <a:xfrm>
-              <a:off x="2850444" y="5309553"/>
-              <a:ext cx="1382890" cy="600164"/>
+              <a:off x="4709495" y="2086233"/>
+              <a:ext cx="1204524" cy="576927"/>
             </a:xfrm>
             <a:prstGeom prst="rect">
               <a:avLst/>
@@ -19457,18 +19471,29 @@
             <a:p>
               <a:pPr lvl="0"/>
               <a:r>
-                <a:rPr lang="de-DE" sz="1100" b="1" dirty="0">
+                <a:rPr lang="de-DE" sz="1400" b="1" dirty="0">
                   <a:solidFill>
                     <a:srgbClr val="000000"/>
                   </a:solidFill>
                 </a:rPr>
-                <a:t>Grundsatz des systematischen Aufbaus</a:t>
+                <a:t>Grundsatz des </a:t>
               </a:r>
-              <a:endParaRPr lang="de-DE" sz="1100" b="1" dirty="0">
-                <a:solidFill>
-                  <a:srgbClr val="000000"/>
-                </a:solidFill>
-              </a:endParaRPr>
+              <a:r>
+                <a:rPr lang="de-DE" sz="1400" b="1" dirty="0" smtClean="0">
+                  <a:solidFill>
+                    <a:srgbClr val="000000"/>
+                  </a:solidFill>
+                </a:rPr>
+                <a:t>systematischen </a:t>
+              </a:r>
+              <a:r>
+                <a:rPr lang="de-DE" sz="1400" b="1" dirty="0">
+                  <a:solidFill>
+                    <a:srgbClr val="000000"/>
+                  </a:solidFill>
+                </a:rPr>
+                <a:t>Aufbaus</a:t>
+              </a:r>
             </a:p>
           </p:txBody>
         </p:sp>
